--- a/10_NodeJS.pptx
+++ b/10_NodeJS.pptx
@@ -24,6 +24,7 @@
     <p:sldId id="359" r:id="rId18"/>
     <p:sldId id="360" r:id="rId19"/>
     <p:sldId id="361" r:id="rId20"/>
+    <p:sldId id="362" r:id="rId21"/>
   </p:sldIdLst>
   <p:sldSz cx="12192000" cy="6858000"/>
   <p:notesSz cx="6858000" cy="9144000"/>
@@ -293,7 +294,7 @@
           <a:p>
             <a:fld id="{1160EA64-D806-43AC-9DF2-F8C432F32B4C}" type="datetimeFigureOut">
               <a:rPr lang="en-US" dirty="0"/>
-              <a:t>3/4/2024</a:t>
+              <a:t>3/5/2024</a:t>
             </a:fld>
             <a:endParaRPr lang="en-US" dirty="0"/>
           </a:p>
@@ -459,7 +460,7 @@
           <a:p>
             <a:fld id="{E9F9C37B-1D36-470B-8223-D6C91242EC14}" type="datetimeFigureOut">
               <a:rPr lang="en-US" dirty="0"/>
-              <a:t>3/4/2024</a:t>
+              <a:t>3/5/2024</a:t>
             </a:fld>
             <a:endParaRPr lang="en-US" dirty="0"/>
           </a:p>
@@ -634,7 +635,7 @@
           <a:p>
             <a:fld id="{67C6F52A-A82B-47A2-A83A-8C4C91F2D59F}" type="datetimeFigureOut">
               <a:rPr lang="en-US" dirty="0"/>
-              <a:t>3/4/2024</a:t>
+              <a:t>3/5/2024</a:t>
             </a:fld>
             <a:endParaRPr lang="en-US" dirty="0"/>
           </a:p>
@@ -799,7 +800,7 @@
           <a:p>
             <a:fld id="{F070A7B3-6521-4DCA-87E5-044747A908C1}" type="datetimeFigureOut">
               <a:rPr lang="en-US" dirty="0"/>
-              <a:t>3/4/2024</a:t>
+              <a:t>3/5/2024</a:t>
             </a:fld>
             <a:endParaRPr lang="en-US" dirty="0"/>
           </a:p>
@@ -1063,7 +1064,7 @@
           <a:p>
             <a:fld id="{1160EA64-D806-43AC-9DF2-F8C432F32B4C}" type="datetimeFigureOut">
               <a:rPr lang="en-US" dirty="0"/>
-              <a:t>3/4/2024</a:t>
+              <a:t>3/5/2024</a:t>
             </a:fld>
             <a:endParaRPr lang="en-US" dirty="0"/>
           </a:p>
@@ -1291,7 +1292,7 @@
           <a:p>
             <a:fld id="{AB134690-1557-4C89-A502-4959FE7FAD70}" type="datetimeFigureOut">
               <a:rPr lang="en-US" dirty="0"/>
-              <a:t>3/4/2024</a:t>
+              <a:t>3/5/2024</a:t>
             </a:fld>
             <a:endParaRPr lang="en-US" dirty="0"/>
           </a:p>
@@ -1645,7 +1646,7 @@
           <a:p>
             <a:fld id="{4F7D4976-E339-4826-83B7-FBD03F55ECF8}" type="datetimeFigureOut">
               <a:rPr lang="en-US" dirty="0"/>
-              <a:t>3/4/2024</a:t>
+              <a:t>3/5/2024</a:t>
             </a:fld>
             <a:endParaRPr lang="en-US" dirty="0"/>
           </a:p>
@@ -1781,7 +1782,7 @@
           <a:p>
             <a:fld id="{E1037C31-9E7A-4F99-8774-A0E530DE1A42}" type="datetimeFigureOut">
               <a:rPr lang="en-US" dirty="0"/>
-              <a:t>3/4/2024</a:t>
+              <a:t>3/5/2024</a:t>
             </a:fld>
             <a:endParaRPr lang="en-US" dirty="0"/>
           </a:p>
@@ -1871,7 +1872,7 @@
           <a:p>
             <a:fld id="{C278504F-A551-4DE0-9316-4DCD1D8CC752}" type="datetimeFigureOut">
               <a:rPr lang="en-US" dirty="0"/>
-              <a:t>3/4/2024</a:t>
+              <a:t>3/5/2024</a:t>
             </a:fld>
             <a:endParaRPr lang="en-US" dirty="0"/>
           </a:p>
@@ -2223,7 +2224,7 @@
           <a:p>
             <a:fld id="{D1BE4249-C0D0-4B06-8692-E8BB871AF643}" type="datetimeFigureOut">
               <a:rPr lang="en-US" dirty="0"/>
-              <a:t>3/4/2024</a:t>
+              <a:t>3/5/2024</a:t>
             </a:fld>
             <a:endParaRPr lang="en-US" dirty="0"/>
           </a:p>
@@ -2575,7 +2576,7 @@
           <a:p>
             <a:fld id="{042B0DB6-F5C7-45FB-8CF3-31B45F9C2DAC}" type="datetimeFigureOut">
               <a:rPr lang="en-US" dirty="0"/>
-              <a:t>3/4/2024</a:t>
+              <a:t>3/5/2024</a:t>
             </a:fld>
             <a:endParaRPr lang="en-US" dirty="0"/>
           </a:p>
@@ -2811,7 +2812,7 @@
           <a:p>
             <a:fld id="{1160EA64-D806-43AC-9DF2-F8C432F32B4C}" type="datetimeFigureOut">
               <a:rPr lang="en-US" dirty="0"/>
-              <a:t>3/4/2024</a:t>
+              <a:t>3/5/2024</a:t>
             </a:fld>
             <a:endParaRPr lang="en-US" dirty="0"/>
           </a:p>
@@ -3392,15 +3393,7 @@
                 <a:ea typeface="Tahoma" panose="020B0604030504040204" pitchFamily="34" charset="0"/>
                 <a:cs typeface="Tahoma" panose="020B0604030504040204" pitchFamily="34" charset="0"/>
               </a:rPr>
-              <a:t>Dùng để mô tả project và quản lý các thư </a:t>
-            </a:r>
-            <a:r>
-              <a:rPr lang="en-US" dirty="0" smtClean="0">
-                <a:latin typeface="Tahoma" panose="020B0604030504040204" pitchFamily="34" charset="0"/>
-                <a:ea typeface="Tahoma" panose="020B0604030504040204" pitchFamily="34" charset="0"/>
-                <a:cs typeface="Tahoma" panose="020B0604030504040204" pitchFamily="34" charset="0"/>
-              </a:rPr>
-              <a:t>viện</a:t>
+              <a:t>Dùng để mô tả project và quản lý các thư viện</a:t>
             </a:r>
             <a:endParaRPr lang="vi-VN" dirty="0">
               <a:latin typeface="Tahoma" panose="020B0604030504040204" pitchFamily="34" charset="0"/>
@@ -3923,15 +3916,7 @@
                 <a:ea typeface="Tahoma" panose="020B0604030504040204" pitchFamily="34" charset="0"/>
                 <a:cs typeface="Tahoma" panose="020B0604030504040204" pitchFamily="34" charset="0"/>
               </a:rPr>
-              <a:t>B5: Install react gõ</a:t>
-            </a:r>
-            <a:r>
-              <a:rPr lang="en-US" dirty="0" smtClean="0">
-                <a:latin typeface="Tahoma" panose="020B0604030504040204" pitchFamily="34" charset="0"/>
-                <a:ea typeface="Tahoma" panose="020B0604030504040204" pitchFamily="34" charset="0"/>
-                <a:cs typeface="Tahoma" panose="020B0604030504040204" pitchFamily="34" charset="0"/>
-              </a:rPr>
-              <a:t> </a:t>
+              <a:t>B5: Install react gõ </a:t>
             </a:r>
             <a:r>
               <a:rPr lang="en-US" dirty="0">
@@ -4604,7 +4589,23 @@
                 <a:ea typeface="Tahoma" panose="020B0604030504040204" pitchFamily="34" charset="0"/>
                 <a:cs typeface="Tahoma" panose="020B0604030504040204" pitchFamily="34" charset="0"/>
               </a:rPr>
-              <a:t>Cấu hình webpack “npm install css-loader style-loader --</a:t>
+              <a:t>Cấu hình webpack “npm install css-loader </a:t>
+            </a:r>
+            <a:r>
+              <a:rPr lang="en-US" dirty="0">
+                <a:latin typeface="Tahoma" panose="020B0604030504040204" pitchFamily="34" charset="0"/>
+                <a:ea typeface="Tahoma" panose="020B0604030504040204" pitchFamily="34" charset="0"/>
+                <a:cs typeface="Tahoma" panose="020B0604030504040204" pitchFamily="34" charset="0"/>
+              </a:rPr>
+              <a:t>style-loader html-webpack-plugin webpack-dev-server </a:t>
+            </a:r>
+            <a:r>
+              <a:rPr lang="en-US" dirty="0">
+                <a:latin typeface="Tahoma" panose="020B0604030504040204" pitchFamily="34" charset="0"/>
+                <a:ea typeface="Tahoma" panose="020B0604030504040204" pitchFamily="34" charset="0"/>
+                <a:cs typeface="Tahoma" panose="020B0604030504040204" pitchFamily="34" charset="0"/>
+              </a:rPr>
+              <a:t>--</a:t>
             </a:r>
             <a:r>
               <a:rPr lang="en-US" dirty="0" smtClean="0">
@@ -4612,15 +4613,7 @@
                 <a:ea typeface="Tahoma" panose="020B0604030504040204" pitchFamily="34" charset="0"/>
                 <a:cs typeface="Tahoma" panose="020B0604030504040204" pitchFamily="34" charset="0"/>
               </a:rPr>
-              <a:t>save-dev</a:t>
-            </a:r>
-            <a:r>
-              <a:rPr lang="en-US" dirty="0" smtClean="0">
-                <a:latin typeface="Tahoma" panose="020B0604030504040204" pitchFamily="34" charset="0"/>
-                <a:ea typeface="Tahoma" panose="020B0604030504040204" pitchFamily="34" charset="0"/>
-                <a:cs typeface="Tahoma" panose="020B0604030504040204" pitchFamily="34" charset="0"/>
-              </a:rPr>
-              <a:t>” (</a:t>
+              <a:t>save-dev” (</a:t>
             </a:r>
             <a:r>
               <a:rPr lang="vi-VN" dirty="0" smtClean="0">
@@ -4786,7 +4779,7 @@
         <p:spPr>
           <a:xfrm>
             <a:off x="4922848" y="2638044"/>
-            <a:ext cx="5038016" cy="3277820"/>
+            <a:ext cx="5038016" cy="3970318"/>
           </a:xfrm>
           <a:prstGeom prst="rect">
             <a:avLst/>
@@ -4822,6 +4815,98 @@
             <a:r>
               <a:rPr lang="vi-VN" sz="900" dirty="0">
                 <a:solidFill>
+                  <a:srgbClr val="4EC9B0"/>
+                </a:solidFill>
+                <a:latin typeface="Consolas" panose="020B0609020204030204" pitchFamily="49" charset="0"/>
+              </a:rPr>
+              <a:t>HtmlWebpackPlugin</a:t>
+            </a:r>
+            <a:r>
+              <a:rPr lang="vi-VN" sz="900" dirty="0">
+                <a:solidFill>
+                  <a:srgbClr val="CCCCCC"/>
+                </a:solidFill>
+                <a:latin typeface="Consolas" panose="020B0609020204030204" pitchFamily="49" charset="0"/>
+              </a:rPr>
+              <a:t> </a:t>
+            </a:r>
+            <a:r>
+              <a:rPr lang="vi-VN" sz="900" dirty="0">
+                <a:solidFill>
+                  <a:srgbClr val="D4D4D4"/>
+                </a:solidFill>
+                <a:latin typeface="Consolas" panose="020B0609020204030204" pitchFamily="49" charset="0"/>
+              </a:rPr>
+              <a:t>=</a:t>
+            </a:r>
+            <a:r>
+              <a:rPr lang="vi-VN" sz="900" dirty="0">
+                <a:solidFill>
+                  <a:srgbClr val="CCCCCC"/>
+                </a:solidFill>
+                <a:latin typeface="Consolas" panose="020B0609020204030204" pitchFamily="49" charset="0"/>
+              </a:rPr>
+              <a:t> </a:t>
+            </a:r>
+            <a:r>
+              <a:rPr lang="vi-VN" sz="900" dirty="0">
+                <a:solidFill>
+                  <a:srgbClr val="DCDCAA"/>
+                </a:solidFill>
+                <a:latin typeface="Consolas" panose="020B0609020204030204" pitchFamily="49" charset="0"/>
+              </a:rPr>
+              <a:t>require</a:t>
+            </a:r>
+            <a:r>
+              <a:rPr lang="vi-VN" sz="900" dirty="0">
+                <a:solidFill>
+                  <a:srgbClr val="CCCCCC"/>
+                </a:solidFill>
+                <a:latin typeface="Consolas" panose="020B0609020204030204" pitchFamily="49" charset="0"/>
+              </a:rPr>
+              <a:t>(</a:t>
+            </a:r>
+            <a:r>
+              <a:rPr lang="vi-VN" sz="900" dirty="0">
+                <a:solidFill>
+                  <a:srgbClr val="CE9178"/>
+                </a:solidFill>
+                <a:latin typeface="Consolas" panose="020B0609020204030204" pitchFamily="49" charset="0"/>
+              </a:rPr>
+              <a:t>"html-webpack-plugin"</a:t>
+            </a:r>
+            <a:r>
+              <a:rPr lang="vi-VN" sz="900" dirty="0">
+                <a:solidFill>
+                  <a:srgbClr val="CCCCCC"/>
+                </a:solidFill>
+                <a:latin typeface="Consolas" panose="020B0609020204030204" pitchFamily="49" charset="0"/>
+              </a:rPr>
+              <a:t>);</a:t>
+            </a:r>
+          </a:p>
+          <a:p>
+            <a:r>
+              <a:rPr lang="vi-VN" sz="900" dirty="0">
+                <a:solidFill>
+                  <a:srgbClr val="569CD6"/>
+                </a:solidFill>
+                <a:latin typeface="Consolas" panose="020B0609020204030204" pitchFamily="49" charset="0"/>
+              </a:rPr>
+              <a:t>const</a:t>
+            </a:r>
+            <a:r>
+              <a:rPr lang="vi-VN" sz="900" dirty="0">
+                <a:solidFill>
+                  <a:srgbClr val="CCCCCC"/>
+                </a:solidFill>
+                <a:latin typeface="Consolas" panose="020B0609020204030204" pitchFamily="49" charset="0"/>
+              </a:rPr>
+              <a:t> </a:t>
+            </a:r>
+            <a:r>
+              <a:rPr lang="vi-VN" sz="900" dirty="0">
+                <a:solidFill>
                   <a:srgbClr val="4FC1FF"/>
                 </a:solidFill>
                 <a:latin typeface="Consolas" panose="020B0609020204030204" pitchFamily="49" charset="0"/>
@@ -5073,7 +5158,7 @@
                 </a:solidFill>
                 <a:latin typeface="Consolas" panose="020B0609020204030204" pitchFamily="49" charset="0"/>
               </a:rPr>
-              <a:t>:</a:t>
+              <a:t>: </a:t>
             </a:r>
             <a:r>
               <a:rPr lang="vi-VN" sz="900" dirty="0">
@@ -5082,52 +5167,43 @@
                 </a:solidFill>
                 <a:latin typeface="Consolas" panose="020B0609020204030204" pitchFamily="49" charset="0"/>
               </a:rPr>
+              <a:t>__dirname</a:t>
+            </a:r>
+            <a:r>
+              <a:rPr lang="vi-VN" sz="900" dirty="0">
+                <a:solidFill>
+                  <a:srgbClr val="CCCCCC"/>
+                </a:solidFill>
+                <a:latin typeface="Consolas" panose="020B0609020204030204" pitchFamily="49" charset="0"/>
+              </a:rPr>
               <a:t> </a:t>
             </a:r>
             <a:r>
               <a:rPr lang="vi-VN" sz="900" dirty="0">
                 <a:solidFill>
-                  <a:srgbClr val="4FC1FF"/>
-                </a:solidFill>
-                <a:latin typeface="Consolas" panose="020B0609020204030204" pitchFamily="49" charset="0"/>
-              </a:rPr>
-              <a:t>path</a:t>
-            </a:r>
-            <a:r>
-              <a:rPr lang="vi-VN" sz="900" dirty="0">
-                <a:solidFill>
                   <a:srgbClr val="D4D4D4"/>
                 </a:solidFill>
                 <a:latin typeface="Consolas" panose="020B0609020204030204" pitchFamily="49" charset="0"/>
               </a:rPr>
-              <a:t>.</a:t>
-            </a:r>
-            <a:r>
-              <a:rPr lang="vi-VN" sz="900" dirty="0">
-                <a:solidFill>
-                  <a:srgbClr val="DCDCAA"/>
-                </a:solidFill>
-                <a:latin typeface="Consolas" panose="020B0609020204030204" pitchFamily="49" charset="0"/>
-              </a:rPr>
-              <a:t>join</a:t>
-            </a:r>
-            <a:r>
-              <a:rPr lang="vi-VN" sz="900" dirty="0">
-                <a:solidFill>
-                  <a:srgbClr val="CCCCCC"/>
-                </a:solidFill>
-                <a:latin typeface="Consolas" panose="020B0609020204030204" pitchFamily="49" charset="0"/>
-              </a:rPr>
-              <a:t>(</a:t>
-            </a:r>
-            <a:r>
-              <a:rPr lang="vi-VN" sz="900" dirty="0">
-                <a:solidFill>
-                  <a:srgbClr val="9CDCFE"/>
-                </a:solidFill>
-                <a:latin typeface="Consolas" panose="020B0609020204030204" pitchFamily="49" charset="0"/>
-              </a:rPr>
-              <a:t>__dirname</a:t>
+              <a:t>+</a:t>
+            </a:r>
+            <a:r>
+              <a:rPr lang="vi-VN" sz="900" dirty="0">
+                <a:solidFill>
+                  <a:srgbClr val="CCCCCC"/>
+                </a:solidFill>
+                <a:latin typeface="Consolas" panose="020B0609020204030204" pitchFamily="49" charset="0"/>
+              </a:rPr>
+              <a:t> </a:t>
+            </a:r>
+            <a:r>
+              <a:rPr lang="vi-VN" sz="900" dirty="0">
+                <a:solidFill>
+                  <a:srgbClr val="CE9178"/>
+                </a:solidFill>
+                <a:latin typeface="Consolas" panose="020B0609020204030204" pitchFamily="49" charset="0"/>
+              </a:rPr>
+              <a:t>"/build"</a:t>
             </a:r>
             <a:r>
               <a:rPr lang="vi-VN" sz="900" dirty="0">
@@ -5137,24 +5213,6 @@
                 <a:latin typeface="Consolas" panose="020B0609020204030204" pitchFamily="49" charset="0"/>
               </a:rPr>
               <a:t>, </a:t>
-            </a:r>
-            <a:r>
-              <a:rPr lang="vi-VN" sz="900" dirty="0">
-                <a:solidFill>
-                  <a:srgbClr val="CE9178"/>
-                </a:solidFill>
-                <a:latin typeface="Consolas" panose="020B0609020204030204" pitchFamily="49" charset="0"/>
-              </a:rPr>
-              <a:t>"/build"</a:t>
-            </a:r>
-            <a:r>
-              <a:rPr lang="vi-VN" sz="900" dirty="0">
-                <a:solidFill>
-                  <a:srgbClr val="CCCCCC"/>
-                </a:solidFill>
-                <a:latin typeface="Consolas" panose="020B0609020204030204" pitchFamily="49" charset="0"/>
-              </a:rPr>
-              <a:t>), </a:t>
             </a:r>
             <a:r>
               <a:rPr lang="vi-VN" sz="900" dirty="0">
@@ -5745,62 +5803,174 @@
                 </a:solidFill>
                 <a:latin typeface="Consolas" panose="020B0609020204030204" pitchFamily="49" charset="0"/>
               </a:rPr>
-              <a:t>}, </a:t>
-            </a:r>
-            <a:r>
-              <a:rPr lang="vi-VN" sz="900" dirty="0">
-                <a:solidFill>
-                  <a:srgbClr val="CCCCCC"/>
-                </a:solidFill>
-                <a:latin typeface="Consolas" panose="020B0609020204030204" pitchFamily="49" charset="0"/>
-              </a:rPr>
-              <a:t>  </a:t>
-            </a:r>
-            <a:r>
-              <a:rPr lang="vi-VN" sz="900" dirty="0">
-                <a:solidFill>
-                  <a:srgbClr val="9CDCFE"/>
-                </a:solidFill>
-                <a:latin typeface="Consolas" panose="020B0609020204030204" pitchFamily="49" charset="0"/>
-              </a:rPr>
-              <a:t>plugins</a:t>
-            </a:r>
-            <a:r>
-              <a:rPr lang="vi-VN" sz="900" dirty="0">
-                <a:solidFill>
-                  <a:srgbClr val="CCCCCC"/>
-                </a:solidFill>
-                <a:latin typeface="Consolas" panose="020B0609020204030204" pitchFamily="49" charset="0"/>
-              </a:rPr>
-              <a:t>: [</a:t>
-            </a:r>
-          </a:p>
-          <a:p>
-            <a:r>
-              <a:rPr lang="vi-VN" sz="900" dirty="0">
-                <a:solidFill>
-                  <a:srgbClr val="CCCCCC"/>
-                </a:solidFill>
-                <a:latin typeface="Consolas" panose="020B0609020204030204" pitchFamily="49" charset="0"/>
-              </a:rPr>
-              <a:t>  ]</a:t>
-            </a:r>
-          </a:p>
-          <a:p>
-            <a:r>
-              <a:rPr lang="vi-VN" sz="900" dirty="0" smtClean="0">
-                <a:solidFill>
-                  <a:srgbClr val="CCCCCC"/>
-                </a:solidFill>
-                <a:latin typeface="Consolas" panose="020B0609020204030204" pitchFamily="49" charset="0"/>
-              </a:rPr>
-              <a:t>};</a:t>
-            </a:r>
-            <a:endParaRPr lang="vi-VN" sz="900" b="0" dirty="0">
+              <a:t>},</a:t>
+            </a:r>
+            <a:endParaRPr lang="en-US" sz="900" dirty="0" smtClean="0">
               <a:solidFill>
                 <a:srgbClr val="CCCCCC"/>
               </a:solidFill>
-              <a:effectLst/>
+              <a:latin typeface="Consolas" panose="020B0609020204030204" pitchFamily="49" charset="0"/>
+            </a:endParaRPr>
+          </a:p>
+          <a:p>
+            <a:r>
+              <a:rPr lang="vi-VN" sz="900" dirty="0">
+                <a:solidFill>
+                  <a:srgbClr val="CCCCCC"/>
+                </a:solidFill>
+                <a:latin typeface="Consolas" panose="020B0609020204030204" pitchFamily="49" charset="0"/>
+              </a:rPr>
+              <a:t>  </a:t>
+            </a:r>
+            <a:r>
+              <a:rPr lang="vi-VN" sz="900" dirty="0">
+                <a:solidFill>
+                  <a:srgbClr val="9CDCFE"/>
+                </a:solidFill>
+                <a:latin typeface="Consolas" panose="020B0609020204030204" pitchFamily="49" charset="0"/>
+              </a:rPr>
+              <a:t>plugins</a:t>
+            </a:r>
+            <a:r>
+              <a:rPr lang="vi-VN" sz="900" dirty="0">
+                <a:solidFill>
+                  <a:srgbClr val="CCCCCC"/>
+                </a:solidFill>
+                <a:latin typeface="Consolas" panose="020B0609020204030204" pitchFamily="49" charset="0"/>
+              </a:rPr>
+              <a:t>: [</a:t>
+            </a:r>
+          </a:p>
+          <a:p>
+            <a:r>
+              <a:rPr lang="vi-VN" sz="900" dirty="0">
+                <a:solidFill>
+                  <a:srgbClr val="CCCCCC"/>
+                </a:solidFill>
+                <a:latin typeface="Consolas" panose="020B0609020204030204" pitchFamily="49" charset="0"/>
+              </a:rPr>
+              <a:t>    </a:t>
+            </a:r>
+            <a:r>
+              <a:rPr lang="vi-VN" sz="900" dirty="0">
+                <a:solidFill>
+                  <a:srgbClr val="569CD6"/>
+                </a:solidFill>
+                <a:latin typeface="Consolas" panose="020B0609020204030204" pitchFamily="49" charset="0"/>
+              </a:rPr>
+              <a:t>new</a:t>
+            </a:r>
+            <a:r>
+              <a:rPr lang="vi-VN" sz="900" dirty="0">
+                <a:solidFill>
+                  <a:srgbClr val="CCCCCC"/>
+                </a:solidFill>
+                <a:latin typeface="Consolas" panose="020B0609020204030204" pitchFamily="49" charset="0"/>
+              </a:rPr>
+              <a:t> </a:t>
+            </a:r>
+            <a:r>
+              <a:rPr lang="vi-VN" sz="900" dirty="0">
+                <a:solidFill>
+                  <a:srgbClr val="4EC9B0"/>
+                </a:solidFill>
+                <a:latin typeface="Consolas" panose="020B0609020204030204" pitchFamily="49" charset="0"/>
+              </a:rPr>
+              <a:t>HtmlWebpackPlugin</a:t>
+            </a:r>
+            <a:r>
+              <a:rPr lang="vi-VN" sz="900" dirty="0">
+                <a:solidFill>
+                  <a:srgbClr val="CCCCCC"/>
+                </a:solidFill>
+                <a:latin typeface="Consolas" panose="020B0609020204030204" pitchFamily="49" charset="0"/>
+              </a:rPr>
+              <a:t>({</a:t>
+            </a:r>
+          </a:p>
+          <a:p>
+            <a:r>
+              <a:rPr lang="vi-VN" sz="900" dirty="0">
+                <a:solidFill>
+                  <a:srgbClr val="CCCCCC"/>
+                </a:solidFill>
+                <a:latin typeface="Consolas" panose="020B0609020204030204" pitchFamily="49" charset="0"/>
+              </a:rPr>
+              <a:t>      </a:t>
+            </a:r>
+            <a:r>
+              <a:rPr lang="vi-VN" sz="900" dirty="0">
+                <a:solidFill>
+                  <a:srgbClr val="9CDCFE"/>
+                </a:solidFill>
+                <a:latin typeface="Consolas" panose="020B0609020204030204" pitchFamily="49" charset="0"/>
+              </a:rPr>
+              <a:t>template</a:t>
+            </a:r>
+            <a:r>
+              <a:rPr lang="vi-VN" sz="900" dirty="0">
+                <a:solidFill>
+                  <a:srgbClr val="CCCCCC"/>
+                </a:solidFill>
+                <a:latin typeface="Consolas" panose="020B0609020204030204" pitchFamily="49" charset="0"/>
+              </a:rPr>
+              <a:t>: </a:t>
+            </a:r>
+            <a:r>
+              <a:rPr lang="vi-VN" sz="900" dirty="0">
+                <a:solidFill>
+                  <a:srgbClr val="CE9178"/>
+                </a:solidFill>
+                <a:latin typeface="Consolas" panose="020B0609020204030204" pitchFamily="49" charset="0"/>
+              </a:rPr>
+              <a:t>"./public/index.html"</a:t>
+            </a:r>
+            <a:r>
+              <a:rPr lang="vi-VN" sz="900" dirty="0">
+                <a:solidFill>
+                  <a:srgbClr val="CCCCCC"/>
+                </a:solidFill>
+                <a:latin typeface="Consolas" panose="020B0609020204030204" pitchFamily="49" charset="0"/>
+              </a:rPr>
+              <a:t>,</a:t>
+            </a:r>
+          </a:p>
+          <a:p>
+            <a:r>
+              <a:rPr lang="vi-VN" sz="900" dirty="0">
+                <a:solidFill>
+                  <a:srgbClr val="CCCCCC"/>
+                </a:solidFill>
+                <a:latin typeface="Consolas" panose="020B0609020204030204" pitchFamily="49" charset="0"/>
+              </a:rPr>
+              <a:t>    })</a:t>
+            </a:r>
+          </a:p>
+          <a:p>
+            <a:r>
+              <a:rPr lang="vi-VN" sz="900" dirty="0">
+                <a:solidFill>
+                  <a:srgbClr val="CCCCCC"/>
+                </a:solidFill>
+                <a:latin typeface="Consolas" panose="020B0609020204030204" pitchFamily="49" charset="0"/>
+              </a:rPr>
+              <a:t>  ]</a:t>
+            </a:r>
+          </a:p>
+          <a:p>
+            <a:r>
+              <a:rPr lang="vi-VN" sz="900" dirty="0" smtClean="0">
+                <a:solidFill>
+                  <a:srgbClr val="CCCCCC"/>
+                </a:solidFill>
+                <a:latin typeface="Consolas" panose="020B0609020204030204" pitchFamily="49" charset="0"/>
+              </a:rPr>
+              <a:t>};</a:t>
+            </a:r>
+            <a:endParaRPr lang="vi-VN" sz="900" dirty="0">
+              <a:solidFill>
+                <a:srgbClr val="CCCCCC"/>
+              </a:solidFill>
               <a:latin typeface="Consolas" panose="020B0609020204030204" pitchFamily="49" charset="0"/>
             </a:endParaRPr>
           </a:p>
@@ -6275,7 +6445,7 @@
         <p:spPr>
           <a:xfrm>
             <a:off x="3048000" y="4613662"/>
-            <a:ext cx="6096000" cy="1169551"/>
+            <a:ext cx="6096000" cy="1200329"/>
           </a:xfrm>
           <a:prstGeom prst="rect">
             <a:avLst/>
@@ -6291,7 +6461,7 @@
           <a:lstStyle/>
           <a:p>
             <a:r>
-              <a:rPr lang="en-US" sz="1400" dirty="0">
+              <a:rPr lang="en-US" sz="1200" dirty="0">
                 <a:solidFill>
                   <a:srgbClr val="CCCCCC"/>
                 </a:solidFill>
@@ -6300,7 +6470,7 @@
               <a:t>  </a:t>
             </a:r>
             <a:r>
-              <a:rPr lang="en-US" sz="1400" dirty="0">
+              <a:rPr lang="en-US" sz="1200" dirty="0">
                 <a:solidFill>
                   <a:srgbClr val="9CDCFE"/>
                 </a:solidFill>
@@ -6309,7 +6479,7 @@
               <a:t>"scripts"</a:t>
             </a:r>
             <a:r>
-              <a:rPr lang="en-US" sz="1400" dirty="0">
+              <a:rPr lang="en-US" sz="1200" dirty="0">
                 <a:solidFill>
                   <a:srgbClr val="CCCCCC"/>
                 </a:solidFill>
@@ -6320,7 +6490,7 @@
           </a:p>
           <a:p>
             <a:r>
-              <a:rPr lang="en-US" sz="1400" dirty="0">
+              <a:rPr lang="en-US" sz="1200" dirty="0">
                 <a:solidFill>
                   <a:srgbClr val="CCCCCC"/>
                 </a:solidFill>
@@ -6329,7 +6499,7 @@
               <a:t>    </a:t>
             </a:r>
             <a:r>
-              <a:rPr lang="en-US" sz="1400" dirty="0">
+              <a:rPr lang="en-US" sz="1200" dirty="0">
                 <a:solidFill>
                   <a:srgbClr val="9CDCFE"/>
                 </a:solidFill>
@@ -6338,7 +6508,7 @@
               <a:t>"test"</a:t>
             </a:r>
             <a:r>
-              <a:rPr lang="en-US" sz="1400" dirty="0">
+              <a:rPr lang="en-US" sz="1200" dirty="0">
                 <a:solidFill>
                   <a:srgbClr val="CCCCCC"/>
                 </a:solidFill>
@@ -6347,7 +6517,7 @@
               <a:t>: </a:t>
             </a:r>
             <a:r>
-              <a:rPr lang="en-US" sz="1400" dirty="0">
+              <a:rPr lang="en-US" sz="1200" dirty="0">
                 <a:solidFill>
                   <a:srgbClr val="CE9178"/>
                 </a:solidFill>
@@ -6356,7 +6526,7 @@
               <a:t>"echo </a:t>
             </a:r>
             <a:r>
-              <a:rPr lang="en-US" sz="1400" dirty="0">
+              <a:rPr lang="en-US" sz="1200" dirty="0">
                 <a:solidFill>
                   <a:srgbClr val="D7BA7D"/>
                 </a:solidFill>
@@ -6365,7 +6535,7 @@
               <a:t>\"</a:t>
             </a:r>
             <a:r>
-              <a:rPr lang="en-US" sz="1400" dirty="0">
+              <a:rPr lang="en-US" sz="1200" dirty="0">
                 <a:solidFill>
                   <a:srgbClr val="CE9178"/>
                 </a:solidFill>
@@ -6374,7 +6544,7 @@
               <a:t>Error: no test specified</a:t>
             </a:r>
             <a:r>
-              <a:rPr lang="en-US" sz="1400" dirty="0">
+              <a:rPr lang="en-US" sz="1200" dirty="0">
                 <a:solidFill>
                   <a:srgbClr val="D7BA7D"/>
                 </a:solidFill>
@@ -6383,7 +6553,7 @@
               <a:t>\"</a:t>
             </a:r>
             <a:r>
-              <a:rPr lang="en-US" sz="1400" dirty="0">
+              <a:rPr lang="en-US" sz="1200" dirty="0">
                 <a:solidFill>
                   <a:srgbClr val="CE9178"/>
                 </a:solidFill>
@@ -6392,7 +6562,7 @@
               <a:t> &amp;&amp; exit 1"</a:t>
             </a:r>
             <a:r>
-              <a:rPr lang="en-US" sz="1400" dirty="0">
+              <a:rPr lang="en-US" sz="1200" dirty="0">
                 <a:solidFill>
                   <a:srgbClr val="CCCCCC"/>
                 </a:solidFill>
@@ -6403,7 +6573,7 @@
           </a:p>
           <a:p>
             <a:r>
-              <a:rPr lang="en-US" sz="1400" dirty="0">
+              <a:rPr lang="en-US" sz="1200" dirty="0">
                 <a:solidFill>
                   <a:srgbClr val="CCCCCC"/>
                 </a:solidFill>
@@ -6412,7 +6582,7 @@
               <a:t>    </a:t>
             </a:r>
             <a:r>
-              <a:rPr lang="en-US" sz="1400" dirty="0">
+              <a:rPr lang="en-US" sz="1200" dirty="0">
                 <a:solidFill>
                   <a:srgbClr val="9CDCFE"/>
                 </a:solidFill>
@@ -6421,7 +6591,7 @@
               <a:t>"start"</a:t>
             </a:r>
             <a:r>
-              <a:rPr lang="en-US" sz="1400" dirty="0">
+              <a:rPr lang="en-US" sz="1200" dirty="0">
                 <a:solidFill>
                   <a:srgbClr val="CCCCCC"/>
                 </a:solidFill>
@@ -6430,16 +6600,16 @@
               <a:t>: </a:t>
             </a:r>
             <a:r>
-              <a:rPr lang="en-US" sz="1400" dirty="0">
+              <a:rPr lang="en-US" sz="1200" dirty="0">
                 <a:solidFill>
                   <a:srgbClr val="CE9178"/>
                 </a:solidFill>
                 <a:latin typeface="Consolas" panose="020B0609020204030204" pitchFamily="49" charset="0"/>
               </a:rPr>
-              <a:t>"webpack --mode development --watch"</a:t>
-            </a:r>
-            <a:r>
-              <a:rPr lang="en-US" sz="1400" dirty="0">
+              <a:t>"webpack-dev-server --mode development --open --hot"</a:t>
+            </a:r>
+            <a:r>
+              <a:rPr lang="en-US" sz="1200" dirty="0">
                 <a:solidFill>
                   <a:srgbClr val="CCCCCC"/>
                 </a:solidFill>
@@ -6450,7 +6620,7 @@
           </a:p>
           <a:p>
             <a:r>
-              <a:rPr lang="en-US" sz="1400" dirty="0">
+              <a:rPr lang="en-US" sz="1200" dirty="0">
                 <a:solidFill>
                   <a:srgbClr val="CCCCCC"/>
                 </a:solidFill>
@@ -6459,16 +6629,16 @@
               <a:t>    </a:t>
             </a:r>
             <a:r>
-              <a:rPr lang="en-US" sz="1400" dirty="0">
+              <a:rPr lang="en-US" sz="1200" dirty="0">
                 <a:solidFill>
                   <a:srgbClr val="9CDCFE"/>
                 </a:solidFill>
                 <a:latin typeface="Consolas" panose="020B0609020204030204" pitchFamily="49" charset="0"/>
               </a:rPr>
-              <a:t>"build"</a:t>
-            </a:r>
-            <a:r>
-              <a:rPr lang="en-US" sz="1400" dirty="0">
+              <a:t>"build_dev"</a:t>
+            </a:r>
+            <a:r>
+              <a:rPr lang="en-US" sz="1200" dirty="0">
                 <a:solidFill>
                   <a:srgbClr val="CCCCCC"/>
                 </a:solidFill>
@@ -6477,15 +6647,62 @@
               <a:t>: </a:t>
             </a:r>
             <a:r>
-              <a:rPr lang="en-US" sz="1400" dirty="0">
+              <a:rPr lang="en-US" sz="1200" dirty="0">
                 <a:solidFill>
                   <a:srgbClr val="CE9178"/>
                 </a:solidFill>
                 <a:latin typeface="Consolas" panose="020B0609020204030204" pitchFamily="49" charset="0"/>
               </a:rPr>
+              <a:t>"webpack --mode development"</a:t>
+            </a:r>
+            <a:r>
+              <a:rPr lang="en-US" sz="1200" dirty="0">
+                <a:solidFill>
+                  <a:srgbClr val="CCCCCC"/>
+                </a:solidFill>
+                <a:latin typeface="Consolas" panose="020B0609020204030204" pitchFamily="49" charset="0"/>
+              </a:rPr>
+              <a:t>,</a:t>
+            </a:r>
+          </a:p>
+          <a:p>
+            <a:r>
+              <a:rPr lang="en-US" sz="1200" dirty="0">
+                <a:solidFill>
+                  <a:srgbClr val="CCCCCC"/>
+                </a:solidFill>
+                <a:latin typeface="Consolas" panose="020B0609020204030204" pitchFamily="49" charset="0"/>
+              </a:rPr>
+              <a:t>    </a:t>
+            </a:r>
+            <a:r>
+              <a:rPr lang="en-US" sz="1200" dirty="0">
+                <a:solidFill>
+                  <a:srgbClr val="9CDCFE"/>
+                </a:solidFill>
+                <a:latin typeface="Consolas" panose="020B0609020204030204" pitchFamily="49" charset="0"/>
+              </a:rPr>
+              <a:t>"build_prd"</a:t>
+            </a:r>
+            <a:r>
+              <a:rPr lang="en-US" sz="1200" dirty="0">
+                <a:solidFill>
+                  <a:srgbClr val="CCCCCC"/>
+                </a:solidFill>
+                <a:latin typeface="Consolas" panose="020B0609020204030204" pitchFamily="49" charset="0"/>
+              </a:rPr>
+              <a:t>: </a:t>
+            </a:r>
+            <a:r>
+              <a:rPr lang="en-US" sz="1200" dirty="0">
+                <a:solidFill>
+                  <a:srgbClr val="CE9178"/>
+                </a:solidFill>
+                <a:latin typeface="Consolas" panose="020B0609020204030204" pitchFamily="49" charset="0"/>
+              </a:rPr>
               <a:t>"webpack --mode production"</a:t>
             </a:r>
-            <a:endParaRPr lang="en-US" sz="1400" dirty="0">
+            <a:endParaRPr lang="en-US" sz="1200" dirty="0">
               <a:solidFill>
                 <a:srgbClr val="CCCCCC"/>
               </a:solidFill>
@@ -6494,15 +6711,15 @@
           </a:p>
           <a:p>
             <a:r>
-              <a:rPr lang="en-US" sz="1400" dirty="0">
-                <a:solidFill>
-                  <a:srgbClr val="CCCCCC"/>
-                </a:solidFill>
-                <a:latin typeface="Consolas" panose="020B0609020204030204" pitchFamily="49" charset="0"/>
-              </a:rPr>
-              <a:t>  },</a:t>
-            </a:r>
-            <a:endParaRPr lang="en-US" sz="1400" b="0" dirty="0">
+              <a:rPr lang="en-US" sz="1200" dirty="0">
+                <a:solidFill>
+                  <a:srgbClr val="CCCCCC"/>
+                </a:solidFill>
+                <a:latin typeface="Consolas" panose="020B0609020204030204" pitchFamily="49" charset="0"/>
+              </a:rPr>
+              <a:t>  }</a:t>
+            </a:r>
+            <a:endParaRPr lang="en-US" sz="1200" b="0" dirty="0">
               <a:solidFill>
                 <a:srgbClr val="CCCCCC"/>
               </a:solidFill>
@@ -6585,7 +6802,12 @@
             <p:ph idx="1"/>
           </p:nvPr>
         </p:nvSpPr>
-        <p:spPr/>
+        <p:spPr>
+          <a:xfrm>
+            <a:off x="2231136" y="2638044"/>
+            <a:ext cx="5310378" cy="3101983"/>
+          </a:xfrm>
+        </p:spPr>
         <p:txBody>
           <a:bodyPr>
             <a:normAutofit/>
@@ -6598,7 +6820,7 @@
                 <a:ea typeface="Tahoma" panose="020B0604030504040204" pitchFamily="34" charset="0"/>
                 <a:cs typeface="Tahoma" panose="020B0604030504040204" pitchFamily="34" charset="0"/>
               </a:rPr>
-              <a:t>B13: </a:t>
+              <a:t>B13: Compile </a:t>
             </a:r>
             <a:r>
               <a:rPr lang="en-US" dirty="0" smtClean="0">
@@ -6606,11 +6828,51 @@
                 <a:ea typeface="Tahoma" panose="020B0604030504040204" pitchFamily="34" charset="0"/>
                 <a:cs typeface="Tahoma" panose="020B0604030504040204" pitchFamily="34" charset="0"/>
               </a:rPr>
-              <a:t>Compile code nào “npm start”</a:t>
-            </a:r>
-          </a:p>
-        </p:txBody>
-      </p:sp>
+              <a:t>code và chạy </a:t>
+            </a:r>
+            <a:r>
+              <a:rPr lang="en-US" dirty="0" smtClean="0">
+                <a:latin typeface="Tahoma" panose="020B0604030504040204" pitchFamily="34" charset="0"/>
+                <a:ea typeface="Tahoma" panose="020B0604030504040204" pitchFamily="34" charset="0"/>
+                <a:cs typeface="Tahoma" panose="020B0604030504040204" pitchFamily="34" charset="0"/>
+              </a:rPr>
+              <a:t>nào “npm start</a:t>
+            </a:r>
+            <a:r>
+              <a:rPr lang="en-US" dirty="0" smtClean="0">
+                <a:latin typeface="Tahoma" panose="020B0604030504040204" pitchFamily="34" charset="0"/>
+                <a:ea typeface="Tahoma" panose="020B0604030504040204" pitchFamily="34" charset="0"/>
+                <a:cs typeface="Tahoma" panose="020B0604030504040204" pitchFamily="34" charset="0"/>
+              </a:rPr>
+              <a:t>”</a:t>
+            </a:r>
+          </a:p>
+        </p:txBody>
+      </p:sp>
+      <p:pic>
+        <p:nvPicPr>
+          <p:cNvPr id="4" name="Picture 3"/>
+          <p:cNvPicPr>
+            <a:picLocks noChangeAspect="1"/>
+          </p:cNvPicPr>
+          <p:nvPr/>
+        </p:nvPicPr>
+        <p:blipFill>
+          <a:blip r:embed="rId2"/>
+          <a:stretch>
+            <a:fillRect/>
+          </a:stretch>
+        </p:blipFill>
+        <p:spPr>
+          <a:xfrm>
+            <a:off x="7541514" y="2638044"/>
+            <a:ext cx="2419350" cy="3676650"/>
+          </a:xfrm>
+          <a:prstGeom prst="rect">
+            <a:avLst/>
+          </a:prstGeom>
+        </p:spPr>
+      </p:pic>
     </p:spTree>
     <p:extLst>
       <p:ext uri="{BB962C8B-B14F-4D97-AF65-F5344CB8AC3E}">
@@ -6697,15 +6959,7 @@
                 <a:ea typeface="Tahoma" panose="020B0604030504040204" pitchFamily="34" charset="0"/>
                 <a:cs typeface="Tahoma" panose="020B0604030504040204" pitchFamily="34" charset="0"/>
               </a:rPr>
-              <a:t>NodeJS </a:t>
-            </a:r>
-            <a:r>
-              <a:rPr lang="en-US" dirty="0" smtClean="0">
-                <a:latin typeface="Tahoma" panose="020B0604030504040204" pitchFamily="34" charset="0"/>
-                <a:ea typeface="Tahoma" panose="020B0604030504040204" pitchFamily="34" charset="0"/>
-                <a:cs typeface="Tahoma" panose="020B0604030504040204" pitchFamily="34" charset="0"/>
-              </a:rPr>
-              <a:t>là gì?</a:t>
+              <a:t>NodeJS là gì?</a:t>
             </a:r>
           </a:p>
           <a:p>
@@ -6756,21 +7010,8 @@
                 <a:ea typeface="Tahoma" panose="020B0604030504040204" pitchFamily="34" charset="0"/>
                 <a:cs typeface="Tahoma" panose="020B0604030504040204" pitchFamily="34" charset="0"/>
               </a:rPr>
-              <a:t>=&gt; Nó sử dụng Chrome V8 JavaScript engine được phát triển bởi Google và thằng V8 JS này được cài đặt trên các trình duyệt </a:t>
-            </a:r>
-            <a:r>
-              <a:rPr lang="en-US" dirty="0" smtClean="0">
-                <a:latin typeface="Tahoma" panose="020B0604030504040204" pitchFamily="34" charset="0"/>
-                <a:ea typeface="Tahoma" panose="020B0604030504040204" pitchFamily="34" charset="0"/>
-                <a:cs typeface="Tahoma" panose="020B0604030504040204" pitchFamily="34" charset="0"/>
-              </a:rPr>
-              <a:t>lõi Chromium hiện nay.</a:t>
-            </a:r>
-            <a:endParaRPr lang="en-US" dirty="0" smtClean="0">
-              <a:latin typeface="Tahoma" panose="020B0604030504040204" pitchFamily="34" charset="0"/>
-              <a:ea typeface="Tahoma" panose="020B0604030504040204" pitchFamily="34" charset="0"/>
-              <a:cs typeface="Tahoma" panose="020B0604030504040204" pitchFamily="34" charset="0"/>
-            </a:endParaRPr>
+              <a:t>=&gt; Nó sử dụng Chrome V8 JavaScript engine được phát triển bởi Google và thằng V8 JS này được cài đặt trên các trình duyệt lõi Chromium hiện nay.</a:t>
+            </a:r>
           </a:p>
           <a:p>
             <a:endParaRPr lang="vi-VN" dirty="0">
@@ -6785,6 +7026,112 @@
     <p:extLst>
       <p:ext uri="{BB962C8B-B14F-4D97-AF65-F5344CB8AC3E}">
         <p14:creationId xmlns:p14="http://schemas.microsoft.com/office/powerpoint/2010/main" val="1190434011"/>
+      </p:ext>
+    </p:extLst>
+  </p:cSld>
+  <p:clrMapOvr>
+    <a:masterClrMapping/>
+  </p:clrMapOvr>
+</p:sld>
+</file>
+
+<file path=ppt/slides/slide20.xml><?xml version="1.0" encoding="utf-8"?>
+<p:sld xmlns:a="http://schemas.openxmlformats.org/drawingml/2006/main" xmlns:r="http://schemas.openxmlformats.org/officeDocument/2006/relationships" xmlns:p="http://schemas.openxmlformats.org/presentationml/2006/main">
+  <p:cSld>
+    <p:spTree>
+      <p:nvGrpSpPr>
+        <p:cNvPr id="1" name=""/>
+        <p:cNvGrpSpPr/>
+        <p:nvPr/>
+      </p:nvGrpSpPr>
+      <p:grpSpPr>
+        <a:xfrm>
+          <a:off x="0" y="0"/>
+          <a:ext cx="0" cy="0"/>
+          <a:chOff x="0" y="0"/>
+          <a:chExt cx="0" cy="0"/>
+        </a:xfrm>
+      </p:grpSpPr>
+      <p:sp>
+        <p:nvSpPr>
+          <p:cNvPr id="2" name="Title 1"/>
+          <p:cNvSpPr>
+            <a:spLocks noGrp="1"/>
+          </p:cNvSpPr>
+          <p:nvPr>
+            <p:ph type="title"/>
+          </p:nvPr>
+        </p:nvSpPr>
+        <p:spPr/>
+        <p:txBody>
+          <a:bodyPr>
+            <a:normAutofit/>
+          </a:bodyPr>
+          <a:lstStyle/>
+          <a:p>
+            <a:r>
+              <a:rPr lang="en-US" dirty="0" smtClean="0">
+                <a:latin typeface="Tahoma" panose="020B0604030504040204" pitchFamily="34" charset="0"/>
+                <a:ea typeface="Tahoma" panose="020B0604030504040204" pitchFamily="34" charset="0"/>
+                <a:cs typeface="Tahoma" panose="020B0604030504040204" pitchFamily="34" charset="0"/>
+              </a:rPr>
+              <a:t>Create react project</a:t>
+            </a:r>
+            <a:endParaRPr lang="en-US" dirty="0">
+              <a:latin typeface="Tahoma" panose="020B0604030504040204" pitchFamily="34" charset="0"/>
+              <a:ea typeface="Tahoma" panose="020B0604030504040204" pitchFamily="34" charset="0"/>
+              <a:cs typeface="Tahoma" panose="020B0604030504040204" pitchFamily="34" charset="0"/>
+            </a:endParaRPr>
+          </a:p>
+        </p:txBody>
+      </p:sp>
+      <p:sp>
+        <p:nvSpPr>
+          <p:cNvPr id="5" name="Content Placeholder 4"/>
+          <p:cNvSpPr>
+            <a:spLocks noGrp="1"/>
+          </p:cNvSpPr>
+          <p:nvPr>
+            <p:ph idx="1"/>
+          </p:nvPr>
+        </p:nvSpPr>
+        <p:spPr/>
+        <p:txBody>
+          <a:bodyPr/>
+          <a:lstStyle/>
+          <a:p>
+            <a:endParaRPr lang="en-US"/>
+          </a:p>
+        </p:txBody>
+      </p:sp>
+      <p:pic>
+        <p:nvPicPr>
+          <p:cNvPr id="6" name="Picture 5"/>
+          <p:cNvPicPr>
+            <a:picLocks noChangeAspect="1"/>
+          </p:cNvPicPr>
+          <p:nvPr/>
+        </p:nvPicPr>
+        <p:blipFill>
+          <a:blip r:embed="rId2"/>
+          <a:stretch>
+            <a:fillRect/>
+          </a:stretch>
+        </p:blipFill>
+        <p:spPr>
+          <a:xfrm>
+            <a:off x="1880979" y="3301472"/>
+            <a:ext cx="8125624" cy="1886654"/>
+          </a:xfrm>
+          <a:prstGeom prst="rect">
+            <a:avLst/>
+          </a:prstGeom>
+        </p:spPr>
+      </p:pic>
+    </p:spTree>
+    <p:extLst>
+      <p:ext uri="{BB962C8B-B14F-4D97-AF65-F5344CB8AC3E}">
+        <p14:creationId xmlns:p14="http://schemas.microsoft.com/office/powerpoint/2010/main" val="2565590489"/>
       </p:ext>
     </p:extLst>
   </p:cSld>
@@ -6889,11 +7236,6 @@
               </a:rPr>
               <a:t>=&gt; Một số công năng đó là tạo project và import thư viện một cách dễ dàng thay vì phải import từng thư viện vào file html. </a:t>
             </a:r>
-            <a:endParaRPr lang="en-US" dirty="0" smtClean="0">
-              <a:latin typeface="Tahoma" panose="020B0604030504040204" pitchFamily="34" charset="0"/>
-              <a:ea typeface="Tahoma" panose="020B0604030504040204" pitchFamily="34" charset="0"/>
-              <a:cs typeface="Tahoma" panose="020B0604030504040204" pitchFamily="34" charset="0"/>
-            </a:endParaRPr>
           </a:p>
           <a:p>
             <a:endParaRPr lang="vi-VN" dirty="0">
@@ -6959,11 +7301,6 @@
               </a:rPr>
               <a:t>webpack</a:t>
             </a:r>
-            <a:endParaRPr lang="en-US" dirty="0">
-              <a:latin typeface="Tahoma" panose="020B0604030504040204" pitchFamily="34" charset="0"/>
-              <a:ea typeface="Tahoma" panose="020B0604030504040204" pitchFamily="34" charset="0"/>
-              <a:cs typeface="Tahoma" panose="020B0604030504040204" pitchFamily="34" charset="0"/>
-            </a:endParaRPr>
           </a:p>
         </p:txBody>
       </p:sp>
@@ -7111,11 +7448,6 @@
               </a:rPr>
               <a:t>webpack</a:t>
             </a:r>
-            <a:endParaRPr lang="en-US" dirty="0">
-              <a:latin typeface="Tahoma" panose="020B0604030504040204" pitchFamily="34" charset="0"/>
-              <a:ea typeface="Tahoma" panose="020B0604030504040204" pitchFamily="34" charset="0"/>
-              <a:cs typeface="Tahoma" panose="020B0604030504040204" pitchFamily="34" charset="0"/>
-            </a:endParaRPr>
           </a:p>
         </p:txBody>
       </p:sp>
